--- a/New_version/Copy_of_CNOP1/compare/new_compare/plot_conop1.pptx
+++ b/New_version/Copy_of_CNOP1/compare/new_compare/plot_conop1.pptx
@@ -14,9 +14,11 @@
     <p:sldId id="262" r:id="rId8"/>
     <p:sldId id="263" r:id="rId9"/>
     <p:sldId id="264" r:id="rId10"/>
-    <p:sldId id="265" r:id="rId11"/>
-    <p:sldId id="266" r:id="rId12"/>
+    <p:sldId id="274" r:id="rId11"/>
+    <p:sldId id="271" r:id="rId12"/>
     <p:sldId id="267" r:id="rId13"/>
+    <p:sldId id="273" r:id="rId14"/>
+    <p:sldId id="272" r:id="rId15"/>
   </p:sldIdLst>
   <p:sldSz cx="12192000" cy="6858000"/>
   <p:notesSz cx="6858000" cy="9144000"/>
@@ -3419,10 +3421,10 @@
       </p:grpSpPr>
       <p:grpSp>
         <p:nvGrpSpPr>
-          <p:cNvPr id="12" name="Group 11">
-            <a:extLst>
-              <a:ext uri="{FF2B5EF4-FFF2-40B4-BE49-F238E27FC236}">
-                <a16:creationId xmlns:a16="http://schemas.microsoft.com/office/drawing/2014/main" id="{F3FB1B57-DC16-8AC9-9BFE-D6A8046337E9}"/>
+          <p:cNvPr id="8" name="Group 7">
+            <a:extLst>
+              <a:ext uri="{FF2B5EF4-FFF2-40B4-BE49-F238E27FC236}">
+                <a16:creationId xmlns:a16="http://schemas.microsoft.com/office/drawing/2014/main" id="{CF63F9C9-6B69-976B-51EB-7F8C227FAEF0}"/>
               </a:ext>
             </a:extLst>
           </p:cNvPr>
@@ -3439,10 +3441,10 @@
         </p:grpSpPr>
         <p:pic>
           <p:nvPicPr>
-            <p:cNvPr id="5" name="Picture 4" descr="A graph of a function&#10;&#10;Description automatically generated with medium confidence">
+            <p:cNvPr id="3" name="Picture 2" descr="A graph of a graph showing the time and time&#10;&#10;Description automatically generated with medium confidence">
               <a:extLst>
                 <a:ext uri="{FF2B5EF4-FFF2-40B4-BE49-F238E27FC236}">
-                  <a16:creationId xmlns:a16="http://schemas.microsoft.com/office/drawing/2014/main" id="{565BF680-10CA-A799-384B-29A12C4B2143}"/>
+                  <a16:creationId xmlns:a16="http://schemas.microsoft.com/office/drawing/2014/main" id="{26A24E9B-D2E1-BE69-6E35-DF775A6668B7}"/>
                 </a:ext>
               </a:extLst>
             </p:cNvPr>
@@ -3469,10 +3471,10 @@
         </p:pic>
         <p:pic>
           <p:nvPicPr>
-            <p:cNvPr id="9" name="Picture 8" descr="A graph of a graph showing a red line and black line&#10;&#10;Description automatically generated">
+            <p:cNvPr id="5" name="Picture 4" descr="A diagram of a diagram of a diagram&#10;&#10;Description automatically generated">
               <a:extLst>
                 <a:ext uri="{FF2B5EF4-FFF2-40B4-BE49-F238E27FC236}">
-                  <a16:creationId xmlns:a16="http://schemas.microsoft.com/office/drawing/2014/main" id="{7C1B514D-AC41-45D2-59CB-6C6E9776AC59}"/>
+                  <a16:creationId xmlns:a16="http://schemas.microsoft.com/office/drawing/2014/main" id="{3122F1EF-748A-C8C8-A075-EF39BBC211DC}"/>
                 </a:ext>
               </a:extLst>
             </p:cNvPr>
@@ -3489,8 +3491,8 @@
           </p:blipFill>
           <p:spPr>
             <a:xfrm>
-              <a:off x="5254935" y="1388787"/>
-              <a:ext cx="2067140" cy="1550355"/>
+              <a:off x="3888685" y="1501846"/>
+              <a:ext cx="3525906" cy="2644430"/>
             </a:xfrm>
             <a:prstGeom prst="rect">
               <a:avLst/>
@@ -3499,10 +3501,10 @@
         </p:pic>
         <p:sp>
           <p:nvSpPr>
-            <p:cNvPr id="10" name="Rectangle 9">
+            <p:cNvPr id="6" name="Rectangle 5">
               <a:extLst>
                 <a:ext uri="{FF2B5EF4-FFF2-40B4-BE49-F238E27FC236}">
-                  <a16:creationId xmlns:a16="http://schemas.microsoft.com/office/drawing/2014/main" id="{EB440922-0901-1957-E8BF-CCC5A65C3D2D}"/>
+                  <a16:creationId xmlns:a16="http://schemas.microsoft.com/office/drawing/2014/main" id="{FEEF911F-8161-84EF-567E-4A058BB4DD14}"/>
                 </a:ext>
               </a:extLst>
             </p:cNvPr>
@@ -3511,8 +3513,8 @@
           </p:nvSpPr>
           <p:spPr>
             <a:xfrm>
-              <a:off x="8333603" y="1045029"/>
-              <a:ext cx="739588" cy="4515651"/>
+              <a:off x="8250703" y="1166191"/>
+              <a:ext cx="739588" cy="4101548"/>
             </a:xfrm>
             <a:prstGeom prst="rect">
               <a:avLst/>
@@ -3551,14 +3553,221 @@
         </p:sp>
         <p:cxnSp>
           <p:nvCxnSpPr>
-            <p:cNvPr id="11" name="Straight Arrow Connector 10">
+            <p:cNvPr id="7" name="Straight Arrow Connector 6">
               <a:extLst>
                 <a:ext uri="{FF2B5EF4-FFF2-40B4-BE49-F238E27FC236}">
-                  <a16:creationId xmlns:a16="http://schemas.microsoft.com/office/drawing/2014/main" id="{C6F174FE-62B7-B951-EC1B-670B5AFE1BDE}"/>
+                  <a16:creationId xmlns:a16="http://schemas.microsoft.com/office/drawing/2014/main" id="{4D7A0825-97B1-3904-9815-F0376D58AD1B}"/>
                 </a:ext>
               </a:extLst>
             </p:cNvPr>
             <p:cNvCxnSpPr/>
+            <p:nvPr/>
+          </p:nvCxnSpPr>
+          <p:spPr>
+            <a:xfrm flipH="1">
+              <a:off x="7397859" y="2748181"/>
+              <a:ext cx="869577" cy="151760"/>
+            </a:xfrm>
+            <a:prstGeom prst="straightConnector1">
+              <a:avLst/>
+            </a:prstGeom>
+            <a:ln w="28575">
+              <a:solidFill>
+                <a:schemeClr val="tx1"/>
+              </a:solidFill>
+              <a:tailEnd type="triangle"/>
+            </a:ln>
+          </p:spPr>
+          <p:style>
+            <a:lnRef idx="1">
+              <a:schemeClr val="accent1"/>
+            </a:lnRef>
+            <a:fillRef idx="0">
+              <a:schemeClr val="accent1"/>
+            </a:fillRef>
+            <a:effectRef idx="0">
+              <a:schemeClr val="accent1"/>
+            </a:effectRef>
+            <a:fontRef idx="minor">
+              <a:schemeClr val="tx1"/>
+            </a:fontRef>
+          </p:style>
+        </p:cxnSp>
+      </p:grpSp>
+    </p:spTree>
+    <p:extLst>
+      <p:ext uri="{BB962C8B-B14F-4D97-AF65-F5344CB8AC3E}">
+        <p14:creationId xmlns:p14="http://schemas.microsoft.com/office/powerpoint/2010/main" val="464029442"/>
+      </p:ext>
+    </p:extLst>
+  </p:cSld>
+  <p:clrMapOvr>
+    <a:masterClrMapping/>
+  </p:clrMapOvr>
+</p:sld>
+</file>
+
+<file path=ppt/slides/slide11.xml><?xml version="1.0" encoding="utf-8"?>
+<p:sld xmlns:a="http://schemas.openxmlformats.org/drawingml/2006/main" xmlns:r="http://schemas.openxmlformats.org/officeDocument/2006/relationships" xmlns:p="http://schemas.openxmlformats.org/presentationml/2006/main">
+  <p:cSld>
+    <p:spTree>
+      <p:nvGrpSpPr>
+        <p:cNvPr id="1" name=""/>
+        <p:cNvGrpSpPr/>
+        <p:nvPr/>
+      </p:nvGrpSpPr>
+      <p:grpSpPr>
+        <a:xfrm>
+          <a:off x="0" y="0"/>
+          <a:ext cx="0" cy="0"/>
+          <a:chOff x="0" y="0"/>
+          <a:chExt cx="0" cy="0"/>
+        </a:xfrm>
+      </p:grpSpPr>
+      <p:grpSp>
+        <p:nvGrpSpPr>
+          <p:cNvPr id="19" name="Group 18">
+            <a:extLst>
+              <a:ext uri="{FF2B5EF4-FFF2-40B4-BE49-F238E27FC236}">
+                <a16:creationId xmlns:a16="http://schemas.microsoft.com/office/drawing/2014/main" id="{C213B278-B007-9F33-44DA-9C9A53428DF4}"/>
+              </a:ext>
+            </a:extLst>
+          </p:cNvPr>
+          <p:cNvGrpSpPr/>
+          <p:nvPr/>
+        </p:nvGrpSpPr>
+        <p:grpSpPr>
+          <a:xfrm>
+            <a:off x="2762250" y="928687"/>
+            <a:ext cx="6667500" cy="5000625"/>
+            <a:chOff x="2762250" y="928687"/>
+            <a:chExt cx="6667500" cy="5000625"/>
+          </a:xfrm>
+        </p:grpSpPr>
+        <p:pic>
+          <p:nvPicPr>
+            <p:cNvPr id="15" name="Picture 14" descr="A graph of a graph showing the time and time&#10;&#10;Description automatically generated with medium confidence">
+              <a:extLst>
+                <a:ext uri="{FF2B5EF4-FFF2-40B4-BE49-F238E27FC236}">
+                  <a16:creationId xmlns:a16="http://schemas.microsoft.com/office/drawing/2014/main" id="{0C908FA3-1D95-3C40-C674-D45FEA361BB8}"/>
+                </a:ext>
+              </a:extLst>
+            </p:cNvPr>
+            <p:cNvPicPr>
+              <a:picLocks noChangeAspect="1"/>
+            </p:cNvPicPr>
+            <p:nvPr/>
+          </p:nvPicPr>
+          <p:blipFill>
+            <a:blip r:embed="rId2"/>
+            <a:stretch>
+              <a:fillRect/>
+            </a:stretch>
+          </p:blipFill>
+          <p:spPr>
+            <a:xfrm>
+              <a:off x="2762250" y="928687"/>
+              <a:ext cx="6667500" cy="5000625"/>
+            </a:xfrm>
+            <a:prstGeom prst="rect">
+              <a:avLst/>
+            </a:prstGeom>
+          </p:spPr>
+        </p:pic>
+        <p:pic>
+          <p:nvPicPr>
+            <p:cNvPr id="16" name="Picture 15" descr="A graph showing a line of a line&#10;&#10;Description automatically generated with medium confidence">
+              <a:extLst>
+                <a:ext uri="{FF2B5EF4-FFF2-40B4-BE49-F238E27FC236}">
+                  <a16:creationId xmlns:a16="http://schemas.microsoft.com/office/drawing/2014/main" id="{44E4C351-6CB3-3127-EF44-169B7E187942}"/>
+                </a:ext>
+              </a:extLst>
+            </p:cNvPr>
+            <p:cNvPicPr>
+              <a:picLocks noChangeAspect="1"/>
+            </p:cNvPicPr>
+            <p:nvPr/>
+          </p:nvPicPr>
+          <p:blipFill>
+            <a:blip r:embed="rId3"/>
+            <a:stretch>
+              <a:fillRect/>
+            </a:stretch>
+          </p:blipFill>
+          <p:spPr>
+            <a:xfrm>
+              <a:off x="4165117" y="1350686"/>
+              <a:ext cx="2964552" cy="1791176"/>
+            </a:xfrm>
+            <a:prstGeom prst="rect">
+              <a:avLst/>
+            </a:prstGeom>
+          </p:spPr>
+        </p:pic>
+        <p:sp>
+          <p:nvSpPr>
+            <p:cNvPr id="17" name="Rectangle 16">
+              <a:extLst>
+                <a:ext uri="{FF2B5EF4-FFF2-40B4-BE49-F238E27FC236}">
+                  <a16:creationId xmlns:a16="http://schemas.microsoft.com/office/drawing/2014/main" id="{7CC56432-9568-4823-8467-E6A76CFECF1C}"/>
+                </a:ext>
+              </a:extLst>
+            </p:cNvPr>
+            <p:cNvSpPr/>
+            <p:nvPr/>
+          </p:nvSpPr>
+          <p:spPr>
+            <a:xfrm>
+              <a:off x="8333603" y="1225826"/>
+              <a:ext cx="739588" cy="4028662"/>
+            </a:xfrm>
+            <a:prstGeom prst="rect">
+              <a:avLst/>
+            </a:prstGeom>
+            <a:noFill/>
+            <a:ln w="28575">
+              <a:solidFill>
+                <a:schemeClr val="tx1"/>
+              </a:solidFill>
+            </a:ln>
+          </p:spPr>
+          <p:style>
+            <a:lnRef idx="2">
+              <a:schemeClr val="accent1">
+                <a:shade val="15000"/>
+              </a:schemeClr>
+            </a:lnRef>
+            <a:fillRef idx="1">
+              <a:schemeClr val="accent1"/>
+            </a:fillRef>
+            <a:effectRef idx="0">
+              <a:schemeClr val="accent1"/>
+            </a:effectRef>
+            <a:fontRef idx="minor">
+              <a:schemeClr val="lt1"/>
+            </a:fontRef>
+          </p:style>
+          <p:txBody>
+            <a:bodyPr rtlCol="0" anchor="ctr"/>
+            <a:lstStyle/>
+            <a:p>
+              <a:pPr algn="ctr"/>
+              <a:endParaRPr lang="en-US"/>
+            </a:p>
+          </p:txBody>
+        </p:sp>
+        <p:cxnSp>
+          <p:nvCxnSpPr>
+            <p:cNvPr id="18" name="Straight Arrow Connector 17">
+              <a:extLst>
+                <a:ext uri="{FF2B5EF4-FFF2-40B4-BE49-F238E27FC236}">
+                  <a16:creationId xmlns:a16="http://schemas.microsoft.com/office/drawing/2014/main" id="{E8B0BFF5-A771-79F6-790F-9680A40B7266}"/>
+                </a:ext>
+              </a:extLst>
+            </p:cNvPr>
+            <p:cNvCxnSpPr>
+              <a:cxnSpLocks/>
+            </p:cNvCxnSpPr>
             <p:nvPr/>
           </p:nvCxnSpPr>
           <p:spPr>
@@ -3595,7 +3804,7 @@
     </p:spTree>
     <p:extLst>
       <p:ext uri="{BB962C8B-B14F-4D97-AF65-F5344CB8AC3E}">
-        <p14:creationId xmlns:p14="http://schemas.microsoft.com/office/powerpoint/2010/main" val="961872273"/>
+        <p14:creationId xmlns:p14="http://schemas.microsoft.com/office/powerpoint/2010/main" val="2831876016"/>
       </p:ext>
     </p:extLst>
   </p:cSld>
@@ -3605,7 +3814,7 @@
 </p:sld>
 </file>
 
-<file path=ppt/slides/slide11.xml><?xml version="1.0" encoding="utf-8"?>
+<file path=ppt/slides/slide12.xml><?xml version="1.0" encoding="utf-8"?>
 <p:sld xmlns:a="http://schemas.openxmlformats.org/drawingml/2006/main" xmlns:r="http://schemas.openxmlformats.org/officeDocument/2006/relationships" xmlns:p="http://schemas.openxmlformats.org/presentationml/2006/main">
   <p:cSld>
     <p:spTree>
@@ -3624,10 +3833,10 @@
       </p:grpSpPr>
       <p:grpSp>
         <p:nvGrpSpPr>
-          <p:cNvPr id="26" name="Group 25">
-            <a:extLst>
-              <a:ext uri="{FF2B5EF4-FFF2-40B4-BE49-F238E27FC236}">
-                <a16:creationId xmlns:a16="http://schemas.microsoft.com/office/drawing/2014/main" id="{698E6DE2-DEE7-4D22-8C8A-62F88BAF9212}"/>
+          <p:cNvPr id="25" name="Group 24">
+            <a:extLst>
+              <a:ext uri="{FF2B5EF4-FFF2-40B4-BE49-F238E27FC236}">
+                <a16:creationId xmlns:a16="http://schemas.microsoft.com/office/drawing/2014/main" id="{D194FF40-6AB4-F2B8-55D3-8E6589BFB167}"/>
               </a:ext>
             </a:extLst>
           </p:cNvPr>
@@ -3636,48 +3845,18 @@
         </p:nvGrpSpPr>
         <p:grpSpPr>
           <a:xfrm>
-            <a:off x="3285710" y="779796"/>
+            <a:off x="2762250" y="928687"/>
             <a:ext cx="6667500" cy="5000625"/>
-            <a:chOff x="3285710" y="779796"/>
+            <a:chOff x="2762250" y="928687"/>
             <a:chExt cx="6667500" cy="5000625"/>
           </a:xfrm>
         </p:grpSpPr>
-        <p:pic>
-          <p:nvPicPr>
-            <p:cNvPr id="3" name="Picture 2" descr="A graph of a graph showing the time&#10;&#10;Description automatically generated with medium confidence">
+        <p:grpSp>
+          <p:nvGrpSpPr>
+            <p:cNvPr id="19" name="Group 18">
               <a:extLst>
                 <a:ext uri="{FF2B5EF4-FFF2-40B4-BE49-F238E27FC236}">
-                  <a16:creationId xmlns:a16="http://schemas.microsoft.com/office/drawing/2014/main" id="{FFF6F534-05A3-87CD-0688-1993D8CD8EA2}"/>
-                </a:ext>
-              </a:extLst>
-            </p:cNvPr>
-            <p:cNvPicPr>
-              <a:picLocks noChangeAspect="1"/>
-            </p:cNvPicPr>
-            <p:nvPr/>
-          </p:nvPicPr>
-          <p:blipFill>
-            <a:blip r:embed="rId2"/>
-            <a:stretch>
-              <a:fillRect/>
-            </a:stretch>
-          </p:blipFill>
-          <p:spPr>
-            <a:xfrm>
-              <a:off x="3285710" y="779796"/>
-              <a:ext cx="6667500" cy="5000625"/>
-            </a:xfrm>
-            <a:prstGeom prst="rect">
-              <a:avLst/>
-            </a:prstGeom>
-          </p:spPr>
-        </p:pic>
-        <p:grpSp>
-          <p:nvGrpSpPr>
-            <p:cNvPr id="24" name="Group 23">
-              <a:extLst>
-                <a:ext uri="{FF2B5EF4-FFF2-40B4-BE49-F238E27FC236}">
-                  <a16:creationId xmlns:a16="http://schemas.microsoft.com/office/drawing/2014/main" id="{2C5F68DA-F0FD-34DE-7E8F-D095F41CC30B}"/>
+                  <a16:creationId xmlns:a16="http://schemas.microsoft.com/office/drawing/2014/main" id="{AA6AECA0-1118-F52A-7EF4-D1D2F0959F91}"/>
                 </a:ext>
               </a:extLst>
             </p:cNvPr>
@@ -3686,18 +3865,48 @@
           </p:nvGrpSpPr>
           <p:grpSpPr>
             <a:xfrm>
-              <a:off x="4876310" y="864901"/>
-              <a:ext cx="4743458" cy="4025151"/>
-              <a:chOff x="4876310" y="864901"/>
-              <a:chExt cx="4743458" cy="4025151"/>
+              <a:off x="2762250" y="928687"/>
+              <a:ext cx="6667500" cy="5000625"/>
+              <a:chOff x="2762250" y="928687"/>
+              <a:chExt cx="6667500" cy="5000625"/>
             </a:xfrm>
           </p:grpSpPr>
+          <p:pic>
+            <p:nvPicPr>
+              <p:cNvPr id="14" name="Picture 13" descr="A graph of a graph showing the time and time&#10;&#10;Description automatically generated with medium confidence">
+                <a:extLst>
+                  <a:ext uri="{FF2B5EF4-FFF2-40B4-BE49-F238E27FC236}">
+                    <a16:creationId xmlns:a16="http://schemas.microsoft.com/office/drawing/2014/main" id="{BF0653CA-E9E8-B6A4-71A4-7EBAAFD50EFF}"/>
+                  </a:ext>
+                </a:extLst>
+              </p:cNvPr>
+              <p:cNvPicPr>
+                <a:picLocks noChangeAspect="1"/>
+              </p:cNvPicPr>
+              <p:nvPr/>
+            </p:nvPicPr>
+            <p:blipFill>
+              <a:blip r:embed="rId2"/>
+              <a:stretch>
+                <a:fillRect/>
+              </a:stretch>
+            </p:blipFill>
+            <p:spPr>
+              <a:xfrm>
+                <a:off x="2762250" y="928687"/>
+                <a:ext cx="6667500" cy="5000625"/>
+              </a:xfrm>
+              <a:prstGeom prst="rect">
+                <a:avLst/>
+              </a:prstGeom>
+            </p:spPr>
+          </p:pic>
           <p:sp>
             <p:nvSpPr>
-              <p:cNvPr id="7" name="Rectangle 6">
+              <p:cNvPr id="17" name="Rectangle 16">
                 <a:extLst>
                   <a:ext uri="{FF2B5EF4-FFF2-40B4-BE49-F238E27FC236}">
-                    <a16:creationId xmlns:a16="http://schemas.microsoft.com/office/drawing/2014/main" id="{88CFED39-476C-C122-9FCE-FA78873D0661}"/>
+                    <a16:creationId xmlns:a16="http://schemas.microsoft.com/office/drawing/2014/main" id="{F6512078-9E51-96BC-9788-F0AEF6DE337E}"/>
                   </a:ext>
                 </a:extLst>
               </p:cNvPr>
@@ -3706,8 +3915,8 @@
             </p:nvSpPr>
             <p:spPr>
               <a:xfrm>
-                <a:off x="8880180" y="864901"/>
-                <a:ext cx="739588" cy="4025151"/>
+                <a:off x="8400915" y="1424609"/>
+                <a:ext cx="739588" cy="3876261"/>
               </a:xfrm>
               <a:prstGeom prst="rect">
                 <a:avLst/>
@@ -3746,10 +3955,10 @@
           </p:sp>
           <p:cxnSp>
             <p:nvCxnSpPr>
-              <p:cNvPr id="8" name="Straight Arrow Connector 7">
+              <p:cNvPr id="18" name="Straight Arrow Connector 17">
                 <a:extLst>
                   <a:ext uri="{FF2B5EF4-FFF2-40B4-BE49-F238E27FC236}">
-                    <a16:creationId xmlns:a16="http://schemas.microsoft.com/office/drawing/2014/main" id="{BAD82A96-CC9A-4E02-4676-D6FACFCCBA4B}"/>
+                    <a16:creationId xmlns:a16="http://schemas.microsoft.com/office/drawing/2014/main" id="{14A0C770-3144-B7A0-37D9-585412FA7F49}"/>
                   </a:ext>
                 </a:extLst>
               </p:cNvPr>
@@ -3758,7 +3967,7 @@
             </p:nvCxnSpPr>
             <p:spPr>
               <a:xfrm flipH="1">
-                <a:off x="7983744" y="2674658"/>
+                <a:off x="7531338" y="2343555"/>
                 <a:ext cx="869577" cy="151760"/>
               </a:xfrm>
               <a:prstGeom prst="straightConnector1">
@@ -3786,42 +3995,42 @@
               </a:fontRef>
             </p:style>
           </p:cxnSp>
-          <p:pic>
-            <p:nvPicPr>
-              <p:cNvPr id="23" name="Picture 22" descr="A graph with a red line and a red line&#10;&#10;Description automatically generated">
-                <a:extLst>
-                  <a:ext uri="{FF2B5EF4-FFF2-40B4-BE49-F238E27FC236}">
-                    <a16:creationId xmlns:a16="http://schemas.microsoft.com/office/drawing/2014/main" id="{3450F3C6-A566-0A93-A7BF-72E7C14927C9}"/>
-                  </a:ext>
-                </a:extLst>
-              </p:cNvPr>
-              <p:cNvPicPr>
-                <a:picLocks noChangeAspect="1"/>
-              </p:cNvPicPr>
-              <p:nvPr/>
-            </p:nvPicPr>
-            <p:blipFill>
-              <a:blip r:embed="rId3"/>
-              <a:stretch>
-                <a:fillRect/>
-              </a:stretch>
-            </p:blipFill>
-            <p:spPr>
-              <a:xfrm>
-                <a:off x="4876310" y="1522902"/>
-                <a:ext cx="3071348" cy="2303511"/>
-              </a:xfrm>
-              <a:prstGeom prst="rect">
-                <a:avLst/>
-              </a:prstGeom>
-            </p:spPr>
-          </p:pic>
         </p:grpSp>
+        <p:pic>
+          <p:nvPicPr>
+            <p:cNvPr id="24" name="Picture 23" descr="A graph with a red line and black lines&#10;&#10;Description automatically generated">
+              <a:extLst>
+                <a:ext uri="{FF2B5EF4-FFF2-40B4-BE49-F238E27FC236}">
+                  <a16:creationId xmlns:a16="http://schemas.microsoft.com/office/drawing/2014/main" id="{86817171-1DFF-806C-CCF7-C47B983235EC}"/>
+                </a:ext>
+              </a:extLst>
+            </p:cNvPr>
+            <p:cNvPicPr>
+              <a:picLocks noChangeAspect="1"/>
+            </p:cNvPicPr>
+            <p:nvPr/>
+          </p:nvPicPr>
+          <p:blipFill>
+            <a:blip r:embed="rId3"/>
+            <a:stretch>
+              <a:fillRect/>
+            </a:stretch>
+          </p:blipFill>
+          <p:spPr>
+            <a:xfrm>
+              <a:off x="4007732" y="1829835"/>
+              <a:ext cx="3234359" cy="2425769"/>
+            </a:xfrm>
+            <a:prstGeom prst="rect">
+              <a:avLst/>
+            </a:prstGeom>
+          </p:spPr>
+        </p:pic>
       </p:grpSp>
     </p:spTree>
     <p:extLst>
       <p:ext uri="{BB962C8B-B14F-4D97-AF65-F5344CB8AC3E}">
-        <p14:creationId xmlns:p14="http://schemas.microsoft.com/office/powerpoint/2010/main" val="3303852461"/>
+        <p14:creationId xmlns:p14="http://schemas.microsoft.com/office/powerpoint/2010/main" val="4115836838"/>
       </p:ext>
     </p:extLst>
   </p:cSld>
@@ -3831,7 +4040,7 @@
 </p:sld>
 </file>
 
-<file path=ppt/slides/slide12.xml><?xml version="1.0" encoding="utf-8"?>
+<file path=ppt/slides/slide13.xml><?xml version="1.0" encoding="utf-8"?>
 <p:sld xmlns:a="http://schemas.openxmlformats.org/drawingml/2006/main" xmlns:r="http://schemas.openxmlformats.org/officeDocument/2006/relationships" xmlns:p="http://schemas.openxmlformats.org/presentationml/2006/main">
   <p:cSld>
     <p:spTree>
@@ -3850,10 +4059,10 @@
       </p:grpSpPr>
       <p:grpSp>
         <p:nvGrpSpPr>
-          <p:cNvPr id="12" name="Group 11">
-            <a:extLst>
-              <a:ext uri="{FF2B5EF4-FFF2-40B4-BE49-F238E27FC236}">
-                <a16:creationId xmlns:a16="http://schemas.microsoft.com/office/drawing/2014/main" id="{11776427-8776-DE51-E5DF-A74A4BFA047C}"/>
+          <p:cNvPr id="7" name="Group 6">
+            <a:extLst>
+              <a:ext uri="{FF2B5EF4-FFF2-40B4-BE49-F238E27FC236}">
+                <a16:creationId xmlns:a16="http://schemas.microsoft.com/office/drawing/2014/main" id="{0A0DEFAB-30B7-9B4F-A1B3-693B6B059CFA}"/>
               </a:ext>
             </a:extLst>
           </p:cNvPr>
@@ -3870,10 +4079,10 @@
         </p:grpSpPr>
         <p:pic>
           <p:nvPicPr>
-            <p:cNvPr id="4" name="Picture 3" descr="A diagram of a graph&#10;&#10;Description automatically generated">
+            <p:cNvPr id="3" name="Picture 2" descr="A graph of a graph showing the time and time&#10;&#10;Description automatically generated with medium confidence">
               <a:extLst>
                 <a:ext uri="{FF2B5EF4-FFF2-40B4-BE49-F238E27FC236}">
-                  <a16:creationId xmlns:a16="http://schemas.microsoft.com/office/drawing/2014/main" id="{D508BAEC-E68C-CC4C-A2F8-E44BC4CD2F22}"/>
+                  <a16:creationId xmlns:a16="http://schemas.microsoft.com/office/drawing/2014/main" id="{C462AEA9-152B-9DE1-239C-C5C22E4ABB86}"/>
                 </a:ext>
               </a:extLst>
             </p:cNvPr>
@@ -3898,42 +4107,12 @@
             </a:prstGeom>
           </p:spPr>
         </p:pic>
-        <p:pic>
-          <p:nvPicPr>
-            <p:cNvPr id="9" name="Picture 8" descr="A graph of a graph with a red line&#10;&#10;Description automatically generated">
+        <p:sp>
+          <p:nvSpPr>
+            <p:cNvPr id="4" name="Rectangle 3">
               <a:extLst>
                 <a:ext uri="{FF2B5EF4-FFF2-40B4-BE49-F238E27FC236}">
-                  <a16:creationId xmlns:a16="http://schemas.microsoft.com/office/drawing/2014/main" id="{F16E87D3-4C12-F181-1635-43C7E21195C1}"/>
-                </a:ext>
-              </a:extLst>
-            </p:cNvPr>
-            <p:cNvPicPr>
-              <a:picLocks noChangeAspect="1"/>
-            </p:cNvPicPr>
-            <p:nvPr/>
-          </p:nvPicPr>
-          <p:blipFill>
-            <a:blip r:embed="rId3"/>
-            <a:stretch>
-              <a:fillRect/>
-            </a:stretch>
-          </p:blipFill>
-          <p:spPr>
-            <a:xfrm>
-              <a:off x="4504910" y="1968984"/>
-              <a:ext cx="2640218" cy="1980164"/>
-            </a:xfrm>
-            <a:prstGeom prst="rect">
-              <a:avLst/>
-            </a:prstGeom>
-          </p:spPr>
-        </p:pic>
-        <p:sp>
-          <p:nvSpPr>
-            <p:cNvPr id="10" name="Rectangle 9">
-              <a:extLst>
-                <a:ext uri="{FF2B5EF4-FFF2-40B4-BE49-F238E27FC236}">
-                  <a16:creationId xmlns:a16="http://schemas.microsoft.com/office/drawing/2014/main" id="{0F38007B-FAD4-E9E8-7D8D-95EDFECC689E}"/>
+                  <a16:creationId xmlns:a16="http://schemas.microsoft.com/office/drawing/2014/main" id="{C773ACB0-3942-C68C-7281-9A4BD71E9C2B}"/>
                 </a:ext>
               </a:extLst>
             </p:cNvPr>
@@ -3942,8 +4121,8 @@
           </p:nvSpPr>
           <p:spPr>
             <a:xfrm>
-              <a:off x="8296895" y="1027043"/>
-              <a:ext cx="739588" cy="4515651"/>
+              <a:off x="8400915" y="1424609"/>
+              <a:ext cx="739588" cy="3876261"/>
             </a:xfrm>
             <a:prstGeom prst="rect">
               <a:avLst/>
@@ -3982,10 +4161,10 @@
         </p:sp>
         <p:cxnSp>
           <p:nvCxnSpPr>
-            <p:cNvPr id="11" name="Straight Arrow Connector 10">
+            <p:cNvPr id="5" name="Straight Arrow Connector 4">
               <a:extLst>
                 <a:ext uri="{FF2B5EF4-FFF2-40B4-BE49-F238E27FC236}">
-                  <a16:creationId xmlns:a16="http://schemas.microsoft.com/office/drawing/2014/main" id="{6FB37B73-9CE1-1F2E-7215-EF0AED9ACB8F}"/>
+                  <a16:creationId xmlns:a16="http://schemas.microsoft.com/office/drawing/2014/main" id="{94E5492E-9452-A183-15D5-A641DC92F578}"/>
                 </a:ext>
               </a:extLst>
             </p:cNvPr>
@@ -3994,7 +4173,244 @@
           </p:nvCxnSpPr>
           <p:spPr>
             <a:xfrm flipH="1">
-              <a:off x="7365736" y="2807306"/>
+              <a:off x="7531338" y="2343555"/>
+              <a:ext cx="869577" cy="151760"/>
+            </a:xfrm>
+            <a:prstGeom prst="straightConnector1">
+              <a:avLst/>
+            </a:prstGeom>
+            <a:ln w="28575">
+              <a:solidFill>
+                <a:schemeClr val="tx1"/>
+              </a:solidFill>
+              <a:tailEnd type="triangle"/>
+            </a:ln>
+          </p:spPr>
+          <p:style>
+            <a:lnRef idx="1">
+              <a:schemeClr val="accent1"/>
+            </a:lnRef>
+            <a:fillRef idx="0">
+              <a:schemeClr val="accent1"/>
+            </a:fillRef>
+            <a:effectRef idx="0">
+              <a:schemeClr val="accent1"/>
+            </a:effectRef>
+            <a:fontRef idx="minor">
+              <a:schemeClr val="tx1"/>
+            </a:fontRef>
+          </p:style>
+        </p:cxnSp>
+        <p:pic>
+          <p:nvPicPr>
+            <p:cNvPr id="6" name="Picture 5" descr="A graph with a red line and black lines&#10;&#10;Description automatically generated">
+              <a:extLst>
+                <a:ext uri="{FF2B5EF4-FFF2-40B4-BE49-F238E27FC236}">
+                  <a16:creationId xmlns:a16="http://schemas.microsoft.com/office/drawing/2014/main" id="{EAC1B03F-C9E6-C8DC-E798-788A35C8E1B3}"/>
+                </a:ext>
+              </a:extLst>
+            </p:cNvPr>
+            <p:cNvPicPr>
+              <a:picLocks noChangeAspect="1"/>
+            </p:cNvPicPr>
+            <p:nvPr/>
+          </p:nvPicPr>
+          <p:blipFill>
+            <a:blip r:embed="rId3"/>
+            <a:stretch>
+              <a:fillRect/>
+            </a:stretch>
+          </p:blipFill>
+          <p:spPr>
+            <a:xfrm>
+              <a:off x="4007732" y="1829835"/>
+              <a:ext cx="3234359" cy="2425769"/>
+            </a:xfrm>
+            <a:prstGeom prst="rect">
+              <a:avLst/>
+            </a:prstGeom>
+          </p:spPr>
+        </p:pic>
+      </p:grpSp>
+    </p:spTree>
+    <p:extLst>
+      <p:ext uri="{BB962C8B-B14F-4D97-AF65-F5344CB8AC3E}">
+        <p14:creationId xmlns:p14="http://schemas.microsoft.com/office/powerpoint/2010/main" val="3580853802"/>
+      </p:ext>
+    </p:extLst>
+  </p:cSld>
+  <p:clrMapOvr>
+    <a:masterClrMapping/>
+  </p:clrMapOvr>
+</p:sld>
+</file>
+
+<file path=ppt/slides/slide14.xml><?xml version="1.0" encoding="utf-8"?>
+<p:sld xmlns:a="http://schemas.openxmlformats.org/drawingml/2006/main" xmlns:r="http://schemas.openxmlformats.org/officeDocument/2006/relationships" xmlns:p="http://schemas.openxmlformats.org/presentationml/2006/main">
+  <p:cSld>
+    <p:spTree>
+      <p:nvGrpSpPr>
+        <p:cNvPr id="1" name=""/>
+        <p:cNvGrpSpPr/>
+        <p:nvPr/>
+      </p:nvGrpSpPr>
+      <p:grpSpPr>
+        <a:xfrm>
+          <a:off x="0" y="0"/>
+          <a:ext cx="0" cy="0"/>
+          <a:chOff x="0" y="0"/>
+          <a:chExt cx="0" cy="0"/>
+        </a:xfrm>
+      </p:grpSpPr>
+      <p:grpSp>
+        <p:nvGrpSpPr>
+          <p:cNvPr id="11" name="Group 10">
+            <a:extLst>
+              <a:ext uri="{FF2B5EF4-FFF2-40B4-BE49-F238E27FC236}">
+                <a16:creationId xmlns:a16="http://schemas.microsoft.com/office/drawing/2014/main" id="{5F63B5B3-C45E-393A-DFB9-9EC009580E1D}"/>
+              </a:ext>
+            </a:extLst>
+          </p:cNvPr>
+          <p:cNvGrpSpPr/>
+          <p:nvPr/>
+        </p:nvGrpSpPr>
+        <p:grpSpPr>
+          <a:xfrm>
+            <a:off x="2762250" y="928687"/>
+            <a:ext cx="6667500" cy="5000625"/>
+            <a:chOff x="2762250" y="928687"/>
+            <a:chExt cx="6667500" cy="5000625"/>
+          </a:xfrm>
+        </p:grpSpPr>
+        <p:pic>
+          <p:nvPicPr>
+            <p:cNvPr id="4" name="Picture 3" descr="A graph of a function&#10;&#10;Description automatically generated with medium confidence">
+              <a:extLst>
+                <a:ext uri="{FF2B5EF4-FFF2-40B4-BE49-F238E27FC236}">
+                  <a16:creationId xmlns:a16="http://schemas.microsoft.com/office/drawing/2014/main" id="{ACE68CE1-A03B-CD4C-235F-FB812718695F}"/>
+                </a:ext>
+              </a:extLst>
+            </p:cNvPr>
+            <p:cNvPicPr>
+              <a:picLocks noChangeAspect="1"/>
+            </p:cNvPicPr>
+            <p:nvPr/>
+          </p:nvPicPr>
+          <p:blipFill>
+            <a:blip r:embed="rId2"/>
+            <a:stretch>
+              <a:fillRect/>
+            </a:stretch>
+          </p:blipFill>
+          <p:spPr>
+            <a:xfrm>
+              <a:off x="2762250" y="928687"/>
+              <a:ext cx="6667500" cy="5000625"/>
+            </a:xfrm>
+            <a:prstGeom prst="rect">
+              <a:avLst/>
+            </a:prstGeom>
+          </p:spPr>
+        </p:pic>
+        <p:pic>
+          <p:nvPicPr>
+            <p:cNvPr id="8" name="Picture 7" descr="A graph of a graph with a red line&#10;&#10;Description automatically generated">
+              <a:extLst>
+                <a:ext uri="{FF2B5EF4-FFF2-40B4-BE49-F238E27FC236}">
+                  <a16:creationId xmlns:a16="http://schemas.microsoft.com/office/drawing/2014/main" id="{63C336D7-E677-D3C1-0E20-F4F381CADF71}"/>
+                </a:ext>
+              </a:extLst>
+            </p:cNvPr>
+            <p:cNvPicPr>
+              <a:picLocks noChangeAspect="1"/>
+            </p:cNvPicPr>
+            <p:nvPr/>
+          </p:nvPicPr>
+          <p:blipFill>
+            <a:blip r:embed="rId3"/>
+            <a:stretch>
+              <a:fillRect/>
+            </a:stretch>
+          </p:blipFill>
+          <p:spPr>
+            <a:xfrm>
+              <a:off x="3809172" y="1485279"/>
+              <a:ext cx="3486150" cy="2614613"/>
+            </a:xfrm>
+            <a:prstGeom prst="rect">
+              <a:avLst/>
+            </a:prstGeom>
+          </p:spPr>
+        </p:pic>
+        <p:sp>
+          <p:nvSpPr>
+            <p:cNvPr id="9" name="Rectangle 8">
+              <a:extLst>
+                <a:ext uri="{FF2B5EF4-FFF2-40B4-BE49-F238E27FC236}">
+                  <a16:creationId xmlns:a16="http://schemas.microsoft.com/office/drawing/2014/main" id="{5FC8293D-1C6B-7CA8-365C-E2970C02CF2A}"/>
+                </a:ext>
+              </a:extLst>
+            </p:cNvPr>
+            <p:cNvSpPr/>
+            <p:nvPr/>
+          </p:nvSpPr>
+          <p:spPr>
+            <a:xfrm>
+              <a:off x="8400915" y="1192697"/>
+              <a:ext cx="739588" cy="4015408"/>
+            </a:xfrm>
+            <a:prstGeom prst="rect">
+              <a:avLst/>
+            </a:prstGeom>
+            <a:noFill/>
+            <a:ln w="28575">
+              <a:solidFill>
+                <a:schemeClr val="tx1"/>
+              </a:solidFill>
+            </a:ln>
+          </p:spPr>
+          <p:style>
+            <a:lnRef idx="2">
+              <a:schemeClr val="accent1">
+                <a:shade val="15000"/>
+              </a:schemeClr>
+            </a:lnRef>
+            <a:fillRef idx="1">
+              <a:schemeClr val="accent1"/>
+            </a:fillRef>
+            <a:effectRef idx="0">
+              <a:schemeClr val="accent1"/>
+            </a:effectRef>
+            <a:fontRef idx="minor">
+              <a:schemeClr val="lt1"/>
+            </a:fontRef>
+          </p:style>
+          <p:txBody>
+            <a:bodyPr rtlCol="0" anchor="ctr"/>
+            <a:lstStyle/>
+            <a:p>
+              <a:pPr algn="ctr"/>
+              <a:endParaRPr lang="en-US"/>
+            </a:p>
+          </p:txBody>
+        </p:sp>
+        <p:cxnSp>
+          <p:nvCxnSpPr>
+            <p:cNvPr id="10" name="Straight Arrow Connector 9">
+              <a:extLst>
+                <a:ext uri="{FF2B5EF4-FFF2-40B4-BE49-F238E27FC236}">
+                  <a16:creationId xmlns:a16="http://schemas.microsoft.com/office/drawing/2014/main" id="{B89C6E70-B9C3-2F52-BD3D-702DC93DE255}"/>
+                </a:ext>
+              </a:extLst>
+            </p:cNvPr>
+            <p:cNvCxnSpPr>
+              <a:cxnSpLocks/>
+            </p:cNvCxnSpPr>
+            <p:nvPr/>
+          </p:nvCxnSpPr>
+          <p:spPr>
+            <a:xfrm flipH="1">
+              <a:off x="7531338" y="2343555"/>
               <a:ext cx="869577" cy="151760"/>
             </a:xfrm>
             <a:prstGeom prst="straightConnector1">
@@ -4026,7 +4442,7 @@
     </p:spTree>
     <p:extLst>
       <p:ext uri="{BB962C8B-B14F-4D97-AF65-F5344CB8AC3E}">
-        <p14:creationId xmlns:p14="http://schemas.microsoft.com/office/powerpoint/2010/main" val="4115836838"/>
+        <p14:creationId xmlns:p14="http://schemas.microsoft.com/office/powerpoint/2010/main" val="797075555"/>
       </p:ext>
     </p:extLst>
   </p:cSld>
